--- a/Documentation/project_presentation.pptx
+++ b/Documentation/project_presentation.pptx
@@ -271,6 +271,11 @@
       </a:defRPr>
     </a:lvl9pPr>
   </p:defaultTextStyle>
+  <p:extLst>
+    <p:ext uri="{EFAFB233-063F-42B5-8137-9DF3F51BA10A}">
+      <p15:sldGuideLst xmlns:p15="http://schemas.microsoft.com/office/powerpoint/2012/main"/>
+    </p:ext>
+  </p:extLst>
 </p:presentation>
 </file>
 
@@ -11802,7 +11807,7 @@
         </p:nvSpPr>
         <p:spPr>
           <a:xfrm>
-            <a:off x="4955125" y="2084337"/>
+            <a:off x="4955125" y="2106307"/>
             <a:ext cx="2499000" cy="410100"/>
           </a:xfrm>
           <a:prstGeom prst="rect">
@@ -11916,7 +11921,7 @@
         </p:nvSpPr>
         <p:spPr>
           <a:xfrm>
-            <a:off x="1327836" y="3795822"/>
+            <a:off x="1327836" y="3827054"/>
             <a:ext cx="2499000" cy="543600"/>
           </a:xfrm>
           <a:prstGeom prst="rect">
@@ -11944,8 +11949,8 @@
               <a:buNone/>
             </a:pPr>
             <a:r>
-              <a:rPr lang="en" dirty="0"/>
-              <a:t>You can describe the topic of the section here</a:t>
+              <a:rPr lang="en-US" dirty="0"/>
+              <a:t>Each stage we went trough to realize this project</a:t>
             </a:r>
             <a:endParaRPr dirty="0"/>
           </a:p>
@@ -12041,7 +12046,7 @@
         </p:nvSpPr>
         <p:spPr>
           <a:xfrm>
-            <a:off x="4955136" y="3795822"/>
+            <a:off x="4955125" y="3744025"/>
             <a:ext cx="2499000" cy="543600"/>
           </a:xfrm>
           <a:prstGeom prst="rect">
@@ -12054,23 +12059,12 @@
           </a:bodyPr>
           <a:lstStyle/>
           <a:p>
-            <a:pPr marL="0" lvl="0" indent="0" algn="l" rtl="0">
-              <a:spcBef>
-                <a:spcPts val="0"/>
-              </a:spcBef>
-              <a:spcAft>
-                <a:spcPts val="0"/>
-              </a:spcAft>
-              <a:buClr>
-                <a:schemeClr val="dk1"/>
-              </a:buClr>
+            <a:pPr marL="0" lvl="0" indent="0">
               <a:buSzPts val="1100"/>
-              <a:buFont typeface="Arial"/>
-              <a:buNone/>
             </a:pPr>
             <a:r>
               <a:rPr lang="en" dirty="0"/>
-              <a:t>You can describe the topic of the section here</a:t>
+              <a:t>The technologies we used troughout our journey</a:t>
             </a:r>
             <a:endParaRPr dirty="0"/>
           </a:p>
@@ -16447,7 +16441,7 @@
         </p:blipFill>
         <p:spPr>
           <a:xfrm>
-            <a:off x="4008428" y="1497315"/>
+            <a:off x="2922947" y="1520912"/>
             <a:ext cx="1127144" cy="1099691"/>
           </a:xfrm>
           <a:prstGeom prst="rect">
@@ -16477,7 +16471,7 @@
         </p:blipFill>
         <p:spPr>
           <a:xfrm>
-            <a:off x="3996592" y="3246393"/>
+            <a:off x="4856013" y="3160014"/>
             <a:ext cx="1182464" cy="1099691"/>
           </a:xfrm>
           <a:prstGeom prst="rect">
@@ -16507,7 +16501,7 @@
         </p:blipFill>
         <p:spPr>
           <a:xfrm>
-            <a:off x="6142944" y="3246394"/>
+            <a:off x="6677592" y="3112818"/>
             <a:ext cx="1070692" cy="1070692"/>
           </a:xfrm>
           <a:prstGeom prst="rect">
@@ -16537,7 +16531,7 @@
         </p:blipFill>
         <p:spPr>
           <a:xfrm>
-            <a:off x="1917417" y="3236185"/>
+            <a:off x="3074610" y="3162377"/>
             <a:ext cx="1142288" cy="1142288"/>
           </a:xfrm>
           <a:prstGeom prst="rect">
@@ -16567,7 +16561,7 @@
         </p:blipFill>
         <p:spPr>
           <a:xfrm>
-            <a:off x="6068766" y="1437636"/>
+            <a:off x="6603414" y="1461233"/>
             <a:ext cx="1219048" cy="1219048"/>
           </a:xfrm>
           <a:prstGeom prst="rect">
@@ -16597,7 +16591,67 @@
         </p:blipFill>
         <p:spPr>
           <a:xfrm>
-            <a:off x="1879037" y="1437636"/>
+            <a:off x="1036761" y="1510416"/>
+            <a:ext cx="1219048" cy="1219048"/>
+          </a:xfrm>
+          <a:prstGeom prst="rect">
+            <a:avLst/>
+          </a:prstGeom>
+        </p:spPr>
+      </p:pic>
+      <p:pic>
+        <p:nvPicPr>
+          <p:cNvPr id="4" name="Picture 3">
+            <a:extLst>
+              <a:ext uri="{FF2B5EF4-FFF2-40B4-BE49-F238E27FC236}">
+                <a16:creationId xmlns:a16="http://schemas.microsoft.com/office/drawing/2014/main" id="{9C118890-1EF2-4E0D-A3B8-7BC430C59904}"/>
+              </a:ext>
+            </a:extLst>
+          </p:cNvPr>
+          <p:cNvPicPr>
+            <a:picLocks noChangeAspect="1"/>
+          </p:cNvPicPr>
+          <p:nvPr/>
+        </p:nvPicPr>
+        <p:blipFill>
+          <a:blip r:embed="rId9"/>
+          <a:stretch>
+            <a:fillRect/>
+          </a:stretch>
+        </p:blipFill>
+        <p:spPr>
+          <a:xfrm>
+            <a:off x="1089175" y="3160014"/>
+            <a:ext cx="1219048" cy="1219048"/>
+          </a:xfrm>
+          <a:prstGeom prst="rect">
+            <a:avLst/>
+          </a:prstGeom>
+        </p:spPr>
+      </p:pic>
+      <p:pic>
+        <p:nvPicPr>
+          <p:cNvPr id="7" name="Picture 6">
+            <a:extLst>
+              <a:ext uri="{FF2B5EF4-FFF2-40B4-BE49-F238E27FC236}">
+                <a16:creationId xmlns:a16="http://schemas.microsoft.com/office/drawing/2014/main" id="{01B495C6-307A-4F82-8E04-42BD11210D1B}"/>
+              </a:ext>
+            </a:extLst>
+          </p:cNvPr>
+          <p:cNvPicPr>
+            <a:picLocks noChangeAspect="1"/>
+          </p:cNvPicPr>
+          <p:nvPr/>
+        </p:nvPicPr>
+        <p:blipFill>
+          <a:blip r:embed="rId10"/>
+          <a:stretch>
+            <a:fillRect/>
+          </a:stretch>
+        </p:blipFill>
+        <p:spPr>
+          <a:xfrm>
+            <a:off x="4717228" y="1520912"/>
             <a:ext cx="1219048" cy="1219048"/>
           </a:xfrm>
           <a:prstGeom prst="rect">
@@ -16678,7 +16732,7 @@
                             </p:stCondLst>
                             <p:childTnLst>
                               <p:par>
-                                <p:cTn id="9" presetID="21" presetClass="entr" presetSubtype="2" fill="hold" nodeType="afterEffect">
+                                <p:cTn id="9" presetID="21" presetClass="entr" presetSubtype="1" fill="hold" nodeType="afterEffect">
                                   <p:stCondLst>
                                     <p:cond delay="0"/>
                                   </p:stCondLst>
@@ -16701,7 +16755,7 @@
                                         <p:strVal val="visible"/>
                                       </p:to>
                                     </p:set>
-                                    <p:animEffect transition="in" filter="wheel(2)">
+                                    <p:animEffect transition="in" filter="wheel(1)">
                                       <p:cBhvr>
                                         <p:cTn id="11" dur="2000"/>
                                         <p:tgtEl>
@@ -16722,7 +16776,7 @@
                             </p:stCondLst>
                             <p:childTnLst>
                               <p:par>
-                                <p:cTn id="13" presetID="21" presetClass="entr" presetSubtype="3" fill="hold" nodeType="afterEffect">
+                                <p:cTn id="13" presetID="21" presetClass="entr" presetSubtype="2" fill="hold" nodeType="afterEffect">
                                   <p:stCondLst>
                                     <p:cond delay="0"/>
                                   </p:stCondLst>
@@ -16735,7 +16789,7 @@
                                           </p:stCondLst>
                                         </p:cTn>
                                         <p:tgtEl>
-                                          <p:spTgt spid="6"/>
+                                          <p:spTgt spid="7"/>
                                         </p:tgtEl>
                                         <p:attrNameLst>
                                           <p:attrName>style.visibility</p:attrName>
@@ -16745,11 +16799,11 @@
                                         <p:strVal val="visible"/>
                                       </p:to>
                                     </p:set>
-                                    <p:animEffect transition="in" filter="wheel(3)">
+                                    <p:animEffect transition="in" filter="wheel(2)">
                                       <p:cBhvr>
                                         <p:cTn id="15" dur="2000"/>
                                         <p:tgtEl>
-                                          <p:spTgt spid="6"/>
+                                          <p:spTgt spid="7"/>
                                         </p:tgtEl>
                                       </p:cBhvr>
                                     </p:animEffect>
@@ -16766,7 +16820,7 @@
                             </p:stCondLst>
                             <p:childTnLst>
                               <p:par>
-                                <p:cTn id="17" presetID="21" presetClass="entr" presetSubtype="4" fill="hold" nodeType="afterEffect">
+                                <p:cTn id="17" presetID="21" presetClass="entr" presetSubtype="2" fill="hold" nodeType="afterEffect">
                                   <p:stCondLst>
                                     <p:cond delay="0"/>
                                   </p:stCondLst>
@@ -16779,7 +16833,7 @@
                                           </p:stCondLst>
                                         </p:cTn>
                                         <p:tgtEl>
-                                          <p:spTgt spid="35"/>
+                                          <p:spTgt spid="6"/>
                                         </p:tgtEl>
                                         <p:attrNameLst>
                                           <p:attrName>style.visibility</p:attrName>
@@ -16789,11 +16843,11 @@
                                         <p:strVal val="visible"/>
                                       </p:to>
                                     </p:set>
-                                    <p:animEffect transition="in" filter="wheel(4)">
+                                    <p:animEffect transition="in" filter="wheel(2)">
                                       <p:cBhvr>
                                         <p:cTn id="19" dur="2000"/>
                                         <p:tgtEl>
-                                          <p:spTgt spid="35"/>
+                                          <p:spTgt spid="6"/>
                                         </p:tgtEl>
                                       </p:cBhvr>
                                     </p:animEffect>
@@ -16810,7 +16864,7 @@
                             </p:stCondLst>
                             <p:childTnLst>
                               <p:par>
-                                <p:cTn id="21" presetID="21" presetClass="entr" presetSubtype="8" fill="hold" nodeType="afterEffect">
+                                <p:cTn id="21" presetID="21" presetClass="entr" presetSubtype="3" fill="hold" nodeType="afterEffect">
                                   <p:stCondLst>
                                     <p:cond delay="0"/>
                                   </p:stCondLst>
@@ -16823,7 +16877,7 @@
                                           </p:stCondLst>
                                         </p:cTn>
                                         <p:tgtEl>
-                                          <p:spTgt spid="33"/>
+                                          <p:spTgt spid="4"/>
                                         </p:tgtEl>
                                         <p:attrNameLst>
                                           <p:attrName>style.visibility</p:attrName>
@@ -16833,11 +16887,11 @@
                                         <p:strVal val="visible"/>
                                       </p:to>
                                     </p:set>
-                                    <p:animEffect transition="in" filter="wheel(8)">
+                                    <p:animEffect transition="in" filter="wheel(3)">
                                       <p:cBhvr>
                                         <p:cTn id="23" dur="2000"/>
                                         <p:tgtEl>
-                                          <p:spTgt spid="33"/>
+                                          <p:spTgt spid="4"/>
                                         </p:tgtEl>
                                       </p:cBhvr>
                                     </p:animEffect>
@@ -16854,7 +16908,7 @@
                             </p:stCondLst>
                             <p:childTnLst>
                               <p:par>
-                                <p:cTn id="25" presetID="21" presetClass="entr" presetSubtype="8" fill="hold" nodeType="afterEffect">
+                                <p:cTn id="25" presetID="21" presetClass="entr" presetSubtype="3" fill="hold" nodeType="afterEffect">
                                   <p:stCondLst>
                                     <p:cond delay="0"/>
                                   </p:stCondLst>
@@ -16862,6 +16916,94 @@
                                     <p:set>
                                       <p:cBhvr>
                                         <p:cTn id="26" dur="1" fill="hold">
+                                          <p:stCondLst>
+                                            <p:cond delay="0"/>
+                                          </p:stCondLst>
+                                        </p:cTn>
+                                        <p:tgtEl>
+                                          <p:spTgt spid="35"/>
+                                        </p:tgtEl>
+                                        <p:attrNameLst>
+                                          <p:attrName>style.visibility</p:attrName>
+                                        </p:attrNameLst>
+                                      </p:cBhvr>
+                                      <p:to>
+                                        <p:strVal val="visible"/>
+                                      </p:to>
+                                    </p:set>
+                                    <p:animEffect transition="in" filter="wheel(3)">
+                                      <p:cBhvr>
+                                        <p:cTn id="27" dur="2000"/>
+                                        <p:tgtEl>
+                                          <p:spTgt spid="35"/>
+                                        </p:tgtEl>
+                                      </p:cBhvr>
+                                    </p:animEffect>
+                                  </p:childTnLst>
+                                </p:cTn>
+                              </p:par>
+                            </p:childTnLst>
+                          </p:cTn>
+                        </p:par>
+                        <p:par>
+                          <p:cTn id="28" fill="hold">
+                            <p:stCondLst>
+                              <p:cond delay="12000"/>
+                            </p:stCondLst>
+                            <p:childTnLst>
+                              <p:par>
+                                <p:cTn id="29" presetID="21" presetClass="entr" presetSubtype="4" fill="hold" nodeType="afterEffect">
+                                  <p:stCondLst>
+                                    <p:cond delay="0"/>
+                                  </p:stCondLst>
+                                  <p:childTnLst>
+                                    <p:set>
+                                      <p:cBhvr>
+                                        <p:cTn id="30" dur="1" fill="hold">
+                                          <p:stCondLst>
+                                            <p:cond delay="0"/>
+                                          </p:stCondLst>
+                                        </p:cTn>
+                                        <p:tgtEl>
+                                          <p:spTgt spid="33"/>
+                                        </p:tgtEl>
+                                        <p:attrNameLst>
+                                          <p:attrName>style.visibility</p:attrName>
+                                        </p:attrNameLst>
+                                      </p:cBhvr>
+                                      <p:to>
+                                        <p:strVal val="visible"/>
+                                      </p:to>
+                                    </p:set>
+                                    <p:animEffect transition="in" filter="wheel(4)">
+                                      <p:cBhvr>
+                                        <p:cTn id="31" dur="2000"/>
+                                        <p:tgtEl>
+                                          <p:spTgt spid="33"/>
+                                        </p:tgtEl>
+                                      </p:cBhvr>
+                                    </p:animEffect>
+                                  </p:childTnLst>
+                                </p:cTn>
+                              </p:par>
+                            </p:childTnLst>
+                          </p:cTn>
+                        </p:par>
+                        <p:par>
+                          <p:cTn id="32" fill="hold">
+                            <p:stCondLst>
+                              <p:cond delay="14000"/>
+                            </p:stCondLst>
+                            <p:childTnLst>
+                              <p:par>
+                                <p:cTn id="33" presetID="21" presetClass="entr" presetSubtype="8" fill="hold" nodeType="afterEffect">
+                                  <p:stCondLst>
+                                    <p:cond delay="0"/>
+                                  </p:stCondLst>
+                                  <p:childTnLst>
+                                    <p:set>
+                                      <p:cBhvr>
+                                        <p:cTn id="34" dur="1" fill="hold">
                                           <p:stCondLst>
                                             <p:cond delay="0"/>
                                           </p:stCondLst>
@@ -16879,7 +17021,7 @@
                                     </p:set>
                                     <p:animEffect transition="in" filter="wheel(8)">
                                       <p:cBhvr>
-                                        <p:cTn id="27" dur="2000"/>
+                                        <p:cTn id="35" dur="2000"/>
                                         <p:tgtEl>
                                           <p:spTgt spid="34"/>
                                         </p:tgtEl>
